--- a/presentation/Hackathon 2024.pptx
+++ b/presentation/Hackathon 2024.pptx
@@ -5,7 +5,7 @@
     <p:sldMasterId id="2147483648" r:id="rId4"/>
   </p:sldMasterIdLst>
   <p:notesMasterIdLst>
-    <p:notesMasterId r:id="rId12"/>
+    <p:notesMasterId r:id="rId15"/>
   </p:notesMasterIdLst>
   <p:sldIdLst>
     <p:sldId id="256" r:id="rId5"/>
@@ -15,6 +15,9 @@
     <p:sldId id="262" r:id="rId9"/>
     <p:sldId id="258" r:id="rId10"/>
     <p:sldId id="257" r:id="rId11"/>
+    <p:sldId id="265" r:id="rId12"/>
+    <p:sldId id="263" r:id="rId13"/>
+    <p:sldId id="264" r:id="rId14"/>
   </p:sldIdLst>
   <p:sldSz cx="12192000" cy="6858000"/>
   <p:notesSz cx="6858000" cy="9144000"/>
@@ -113,6 +116,11 @@
       </a:defRPr>
     </a:lvl9pPr>
   </p:defaultTextStyle>
+  <p:extLst>
+    <p:ext uri="{EFAFB233-063F-42B5-8137-9DF3F51BA10A}">
+      <p15:sldGuideLst xmlns:p15="http://schemas.microsoft.com/office/powerpoint/2012/main"/>
+    </p:ext>
+  </p:extLst>
 </p:presentation>
 </file>
 
@@ -1262,7 +1270,7 @@
           <a:p>
             <a:fld id="{8433F786-9E64-4059-AED8-7729B8D718B5}" type="datetimeFigureOut">
               <a:rPr lang="nl-BE" smtClean="0"/>
-              <a:t>17/02/2024</a:t>
+              <a:t>18/02/2024</a:t>
             </a:fld>
             <a:endParaRPr lang="nl-BE"/>
           </a:p>
@@ -1992,7 +2000,7 @@
           <a:p>
             <a:fld id="{4FCCCBC1-0D1F-4F4D-9374-B9A676B6DE04}" type="datetimeFigureOut">
               <a:rPr lang="nl-BE" smtClean="0"/>
-              <a:t>17/02/2024</a:t>
+              <a:t>18/02/2024</a:t>
             </a:fld>
             <a:endParaRPr lang="nl-BE"/>
           </a:p>
@@ -2192,7 +2200,7 @@
           <a:p>
             <a:fld id="{4FCCCBC1-0D1F-4F4D-9374-B9A676B6DE04}" type="datetimeFigureOut">
               <a:rPr lang="nl-BE" smtClean="0"/>
-              <a:t>17/02/2024</a:t>
+              <a:t>18/02/2024</a:t>
             </a:fld>
             <a:endParaRPr lang="nl-BE"/>
           </a:p>
@@ -2402,7 +2410,7 @@
           <a:p>
             <a:fld id="{4FCCCBC1-0D1F-4F4D-9374-B9A676B6DE04}" type="datetimeFigureOut">
               <a:rPr lang="nl-BE" smtClean="0"/>
-              <a:t>17/02/2024</a:t>
+              <a:t>18/02/2024</a:t>
             </a:fld>
             <a:endParaRPr lang="nl-BE"/>
           </a:p>
@@ -2602,7 +2610,7 @@
           <a:p>
             <a:fld id="{4FCCCBC1-0D1F-4F4D-9374-B9A676B6DE04}" type="datetimeFigureOut">
               <a:rPr lang="nl-BE" smtClean="0"/>
-              <a:t>17/02/2024</a:t>
+              <a:t>18/02/2024</a:t>
             </a:fld>
             <a:endParaRPr lang="nl-BE"/>
           </a:p>
@@ -2878,7 +2886,7 @@
           <a:p>
             <a:fld id="{4FCCCBC1-0D1F-4F4D-9374-B9A676B6DE04}" type="datetimeFigureOut">
               <a:rPr lang="nl-BE" smtClean="0"/>
-              <a:t>17/02/2024</a:t>
+              <a:t>18/02/2024</a:t>
             </a:fld>
             <a:endParaRPr lang="nl-BE"/>
           </a:p>
@@ -3146,7 +3154,7 @@
           <a:p>
             <a:fld id="{4FCCCBC1-0D1F-4F4D-9374-B9A676B6DE04}" type="datetimeFigureOut">
               <a:rPr lang="nl-BE" smtClean="0"/>
-              <a:t>17/02/2024</a:t>
+              <a:t>18/02/2024</a:t>
             </a:fld>
             <a:endParaRPr lang="nl-BE"/>
           </a:p>
@@ -3561,7 +3569,7 @@
           <a:p>
             <a:fld id="{4FCCCBC1-0D1F-4F4D-9374-B9A676B6DE04}" type="datetimeFigureOut">
               <a:rPr lang="nl-BE" smtClean="0"/>
-              <a:t>17/02/2024</a:t>
+              <a:t>18/02/2024</a:t>
             </a:fld>
             <a:endParaRPr lang="nl-BE"/>
           </a:p>
@@ -3703,7 +3711,7 @@
           <a:p>
             <a:fld id="{4FCCCBC1-0D1F-4F4D-9374-B9A676B6DE04}" type="datetimeFigureOut">
               <a:rPr lang="nl-BE" smtClean="0"/>
-              <a:t>17/02/2024</a:t>
+              <a:t>18/02/2024</a:t>
             </a:fld>
             <a:endParaRPr lang="nl-BE"/>
           </a:p>
@@ -3816,7 +3824,7 @@
           <a:p>
             <a:fld id="{4FCCCBC1-0D1F-4F4D-9374-B9A676B6DE04}" type="datetimeFigureOut">
               <a:rPr lang="nl-BE" smtClean="0"/>
-              <a:t>17/02/2024</a:t>
+              <a:t>18/02/2024</a:t>
             </a:fld>
             <a:endParaRPr lang="nl-BE"/>
           </a:p>
@@ -4129,7 +4137,7 @@
           <a:p>
             <a:fld id="{4FCCCBC1-0D1F-4F4D-9374-B9A676B6DE04}" type="datetimeFigureOut">
               <a:rPr lang="nl-BE" smtClean="0"/>
-              <a:t>17/02/2024</a:t>
+              <a:t>18/02/2024</a:t>
             </a:fld>
             <a:endParaRPr lang="nl-BE"/>
           </a:p>
@@ -4418,7 +4426,7 @@
           <a:p>
             <a:fld id="{4FCCCBC1-0D1F-4F4D-9374-B9A676B6DE04}" type="datetimeFigureOut">
               <a:rPr lang="nl-BE" smtClean="0"/>
-              <a:t>17/02/2024</a:t>
+              <a:t>18/02/2024</a:t>
             </a:fld>
             <a:endParaRPr lang="nl-BE"/>
           </a:p>
@@ -4661,7 +4669,7 @@
           <a:p>
             <a:fld id="{4FCCCBC1-0D1F-4F4D-9374-B9A676B6DE04}" type="datetimeFigureOut">
               <a:rPr lang="nl-BE" smtClean="0"/>
-              <a:t>17/02/2024</a:t>
+              <a:t>18/02/2024</a:t>
             </a:fld>
             <a:endParaRPr lang="nl-BE"/>
           </a:p>
@@ -5812,12 +5820,86 @@
           </a:prstGeom>
         </p:spPr>
       </p:pic>
+      <p:pic>
+        <p:nvPicPr>
+          <p:cNvPr id="47" name="Picture 46">
+            <a:extLst>
+              <a:ext uri="{FF2B5EF4-FFF2-40B4-BE49-F238E27FC236}">
+                <a16:creationId xmlns:a16="http://schemas.microsoft.com/office/drawing/2014/main" id="{23DD051F-83A3-0372-090A-D445DA8C88CD}"/>
+              </a:ext>
+            </a:extLst>
+          </p:cNvPr>
+          <p:cNvPicPr>
+            <a:picLocks noChangeAspect="1"/>
+          </p:cNvPicPr>
+          <p:nvPr/>
+        </p:nvPicPr>
+        <p:blipFill>
+          <a:blip r:embed="rId10"/>
+          <a:stretch>
+            <a:fillRect/>
+          </a:stretch>
+        </p:blipFill>
+        <p:spPr>
+          <a:xfrm>
+            <a:off x="3626906" y="2126648"/>
+            <a:ext cx="4938188" cy="3082336"/>
+          </a:xfrm>
+          <a:prstGeom prst="rect">
+            <a:avLst/>
+          </a:prstGeom>
+        </p:spPr>
+      </p:pic>
+      <p:sp>
+        <p:nvSpPr>
+          <p:cNvPr id="44" name="Rectangle: Rounded Corners 43">
+            <a:extLst>
+              <a:ext uri="{FF2B5EF4-FFF2-40B4-BE49-F238E27FC236}">
+                <a16:creationId xmlns:a16="http://schemas.microsoft.com/office/drawing/2014/main" id="{4BF36BF5-8B8C-1FDB-50CC-DEA2FF55150F}"/>
+              </a:ext>
+            </a:extLst>
+          </p:cNvPr>
+          <p:cNvSpPr/>
+          <p:nvPr/>
+        </p:nvSpPr>
+        <p:spPr>
+          <a:xfrm>
+            <a:off x="3626906" y="101600"/>
+            <a:ext cx="4938188" cy="878432"/>
+          </a:xfrm>
+          <a:prstGeom prst="roundRect">
+            <a:avLst/>
+          </a:prstGeom>
+        </p:spPr>
+        <p:style>
+          <a:lnRef idx="1">
+            <a:schemeClr val="accent1"/>
+          </a:lnRef>
+          <a:fillRef idx="2">
+            <a:schemeClr val="accent1"/>
+          </a:fillRef>
+          <a:effectRef idx="1">
+            <a:schemeClr val="accent1"/>
+          </a:effectRef>
+          <a:fontRef idx="minor">
+            <a:schemeClr val="dk1"/>
+          </a:fontRef>
+        </p:style>
+        <p:txBody>
+          <a:bodyPr rtlCol="0" anchor="ctr"/>
+          <a:lstStyle/>
+          <a:p>
+            <a:pPr algn="ctr"/>
+            <a:endParaRPr lang="nl-BE" sz="5400" dirty="0"/>
+          </a:p>
+        </p:txBody>
+      </p:sp>
       <p:grpSp>
         <p:nvGrpSpPr>
-          <p:cNvPr id="46" name="Group 45">
-            <a:extLst>
-              <a:ext uri="{FF2B5EF4-FFF2-40B4-BE49-F238E27FC236}">
-                <a16:creationId xmlns:a16="http://schemas.microsoft.com/office/drawing/2014/main" id="{5E4B6D95-31FF-234F-7584-1254F08642BB}"/>
+          <p:cNvPr id="8" name="Group 7">
+            <a:extLst>
+              <a:ext uri="{FF2B5EF4-FFF2-40B4-BE49-F238E27FC236}">
+                <a16:creationId xmlns:a16="http://schemas.microsoft.com/office/drawing/2014/main" id="{765C72BC-4F9E-4802-4713-8A20AB5BF37C}"/>
               </a:ext>
             </a:extLst>
           </p:cNvPr>
@@ -5826,62 +5908,12 @@
         </p:nvGrpSpPr>
         <p:grpSpPr>
           <a:xfrm>
-            <a:off x="3626906" y="11804"/>
-            <a:ext cx="4938188" cy="968228"/>
-            <a:chOff x="4114800" y="11804"/>
-            <a:chExt cx="4938188" cy="968228"/>
+            <a:off x="5130010" y="11804"/>
+            <a:ext cx="2014691" cy="980409"/>
+            <a:chOff x="5130010" y="11804"/>
+            <a:chExt cx="2014691" cy="980409"/>
           </a:xfrm>
         </p:grpSpPr>
-        <p:sp>
-          <p:nvSpPr>
-            <p:cNvPr id="44" name="Rectangle: Rounded Corners 43">
-              <a:extLst>
-                <a:ext uri="{FF2B5EF4-FFF2-40B4-BE49-F238E27FC236}">
-                  <a16:creationId xmlns:a16="http://schemas.microsoft.com/office/drawing/2014/main" id="{4BF36BF5-8B8C-1FDB-50CC-DEA2FF55150F}"/>
-                </a:ext>
-              </a:extLst>
-            </p:cNvPr>
-            <p:cNvSpPr/>
-            <p:nvPr/>
-          </p:nvSpPr>
-          <p:spPr>
-            <a:xfrm>
-              <a:off x="4114800" y="101600"/>
-              <a:ext cx="4938188" cy="878432"/>
-            </a:xfrm>
-            <a:prstGeom prst="roundRect">
-              <a:avLst/>
-            </a:prstGeom>
-          </p:spPr>
-          <p:style>
-            <a:lnRef idx="2">
-              <a:schemeClr val="accent1">
-                <a:shade val="50000"/>
-              </a:schemeClr>
-            </a:lnRef>
-            <a:fillRef idx="1">
-              <a:schemeClr val="accent1"/>
-            </a:fillRef>
-            <a:effectRef idx="0">
-              <a:schemeClr val="accent1"/>
-            </a:effectRef>
-            <a:fontRef idx="minor">
-              <a:schemeClr val="lt1"/>
-            </a:fontRef>
-          </p:style>
-          <p:txBody>
-            <a:bodyPr rtlCol="0" anchor="ctr"/>
-            <a:lstStyle/>
-            <a:p>
-              <a:pPr algn="ctr"/>
-              <a:r>
-                <a:rPr lang="fr-BE" sz="5400" dirty="0"/>
-                <a:t>CALM</a:t>
-              </a:r>
-              <a:endParaRPr lang="nl-BE" sz="5400" dirty="0"/>
-            </a:p>
-          </p:txBody>
-        </p:sp>
         <p:sp>
           <p:nvSpPr>
             <p:cNvPr id="45" name="TextBox 44">
@@ -5896,7 +5928,7 @@
           </p:nvSpPr>
           <p:spPr>
             <a:xfrm>
-              <a:off x="7297247" y="11804"/>
+              <a:off x="6809353" y="11804"/>
               <a:ext cx="335348" cy="461665"/>
             </a:xfrm>
             <a:prstGeom prst="rect">
@@ -5911,56 +5943,429 @@
             <a:lstStyle/>
             <a:p>
               <a:r>
-                <a:rPr lang="fr-BE" sz="2400" dirty="0">
-                  <a:solidFill>
-                    <a:schemeClr val="bg1"/>
-                  </a:solidFill>
-                </a:rPr>
+                <a:rPr lang="fr-BE" sz="2400" dirty="0"/>
                 <a:t>E</a:t>
               </a:r>
-              <a:endParaRPr lang="nl-BE" sz="2400" dirty="0">
-                <a:solidFill>
-                  <a:schemeClr val="bg1"/>
-                </a:solidFill>
-              </a:endParaRPr>
+              <a:endParaRPr lang="nl-BE" sz="2400" dirty="0"/>
+            </a:p>
+          </p:txBody>
+        </p:sp>
+        <p:sp>
+          <p:nvSpPr>
+            <p:cNvPr id="2" name="TextBox 1">
+              <a:extLst>
+                <a:ext uri="{FF2B5EF4-FFF2-40B4-BE49-F238E27FC236}">
+                  <a16:creationId xmlns:a16="http://schemas.microsoft.com/office/drawing/2014/main" id="{397AA23B-12C4-452D-7788-8AC96AB8EBAF}"/>
+                </a:ext>
+              </a:extLst>
+            </p:cNvPr>
+            <p:cNvSpPr txBox="1"/>
+            <p:nvPr/>
+          </p:nvSpPr>
+          <p:spPr>
+            <a:xfrm>
+              <a:off x="5130010" y="157456"/>
+              <a:ext cx="486030" cy="769441"/>
+            </a:xfrm>
+            <a:prstGeom prst="rect">
+              <a:avLst/>
+            </a:prstGeom>
+            <a:noFill/>
+          </p:spPr>
+          <p:txBody>
+            <a:bodyPr wrap="none" rtlCol="0">
+              <a:spAutoFit/>
+            </a:bodyPr>
+            <a:lstStyle/>
+            <a:p>
+              <a:r>
+                <a:rPr lang="fr-BE" sz="4400" dirty="0"/>
+                <a:t>C</a:t>
+              </a:r>
+              <a:endParaRPr lang="nl-BE" sz="4400" dirty="0"/>
+            </a:p>
+          </p:txBody>
+        </p:sp>
+        <p:sp>
+          <p:nvSpPr>
+            <p:cNvPr id="3" name="TextBox 2">
+              <a:extLst>
+                <a:ext uri="{FF2B5EF4-FFF2-40B4-BE49-F238E27FC236}">
+                  <a16:creationId xmlns:a16="http://schemas.microsoft.com/office/drawing/2014/main" id="{122D87CC-3696-8D79-AFEC-A5ED8E466F39}"/>
+                </a:ext>
+              </a:extLst>
+            </p:cNvPr>
+            <p:cNvSpPr txBox="1"/>
+            <p:nvPr/>
+          </p:nvSpPr>
+          <p:spPr>
+            <a:xfrm>
+              <a:off x="5515075" y="157456"/>
+              <a:ext cx="511679" cy="769441"/>
+            </a:xfrm>
+            <a:prstGeom prst="rect">
+              <a:avLst/>
+            </a:prstGeom>
+            <a:noFill/>
+          </p:spPr>
+          <p:txBody>
+            <a:bodyPr wrap="none" rtlCol="0">
+              <a:spAutoFit/>
+            </a:bodyPr>
+            <a:lstStyle/>
+            <a:p>
+              <a:r>
+                <a:rPr lang="fr-BE" sz="4400" dirty="0"/>
+                <a:t>A</a:t>
+              </a:r>
+              <a:endParaRPr lang="nl-BE" sz="4400" dirty="0"/>
+            </a:p>
+          </p:txBody>
+        </p:sp>
+        <p:grpSp>
+          <p:nvGrpSpPr>
+            <p:cNvPr id="7" name="Group 6">
+              <a:extLst>
+                <a:ext uri="{FF2B5EF4-FFF2-40B4-BE49-F238E27FC236}">
+                  <a16:creationId xmlns:a16="http://schemas.microsoft.com/office/drawing/2014/main" id="{8AC5E348-007E-B1C1-4B4E-69256E66D208}"/>
+                </a:ext>
+              </a:extLst>
+            </p:cNvPr>
+            <p:cNvGrpSpPr/>
+            <p:nvPr/>
+          </p:nvGrpSpPr>
+          <p:grpSpPr>
+            <a:xfrm>
+              <a:off x="5925789" y="157456"/>
+              <a:ext cx="502780" cy="834757"/>
+              <a:chOff x="5482438" y="152948"/>
+              <a:chExt cx="502780" cy="834757"/>
+            </a:xfrm>
+          </p:grpSpPr>
+          <p:sp>
+            <p:nvSpPr>
+              <p:cNvPr id="4" name="TextBox 3">
+                <a:extLst>
+                  <a:ext uri="{FF2B5EF4-FFF2-40B4-BE49-F238E27FC236}">
+                    <a16:creationId xmlns:a16="http://schemas.microsoft.com/office/drawing/2014/main" id="{694BAF17-9869-9CDE-0EA0-A73B02881A11}"/>
+                  </a:ext>
+                </a:extLst>
+              </p:cNvPr>
+              <p:cNvSpPr txBox="1"/>
+              <p:nvPr/>
+            </p:nvSpPr>
+            <p:spPr>
+              <a:xfrm>
+                <a:off x="5482438" y="152948"/>
+                <a:ext cx="421910" cy="769441"/>
+              </a:xfrm>
+              <a:prstGeom prst="rect">
+                <a:avLst/>
+              </a:prstGeom>
+              <a:noFill/>
+            </p:spPr>
+            <p:txBody>
+              <a:bodyPr wrap="none" rtlCol="0">
+                <a:spAutoFit/>
+              </a:bodyPr>
+              <a:lstStyle/>
+              <a:p>
+                <a:r>
+                  <a:rPr lang="fr-BE" sz="4400" dirty="0"/>
+                  <a:t>L</a:t>
+                </a:r>
+                <a:endParaRPr lang="nl-BE" sz="4400" dirty="0"/>
+              </a:p>
+            </p:txBody>
+          </p:sp>
+          <p:sp>
+            <p:nvSpPr>
+              <p:cNvPr id="5" name="TextBox 4">
+                <a:extLst>
+                  <a:ext uri="{FF2B5EF4-FFF2-40B4-BE49-F238E27FC236}">
+                    <a16:creationId xmlns:a16="http://schemas.microsoft.com/office/drawing/2014/main" id="{AFA5136D-D857-61EF-A889-B4BF8536AF5F}"/>
+                  </a:ext>
+                </a:extLst>
+              </p:cNvPr>
+              <p:cNvSpPr txBox="1"/>
+              <p:nvPr/>
+            </p:nvSpPr>
+            <p:spPr>
+              <a:xfrm>
+                <a:off x="5563308" y="218264"/>
+                <a:ext cx="421910" cy="769441"/>
+              </a:xfrm>
+              <a:prstGeom prst="rect">
+                <a:avLst/>
+              </a:prstGeom>
+              <a:noFill/>
+            </p:spPr>
+            <p:txBody>
+              <a:bodyPr wrap="none" rtlCol="0">
+                <a:spAutoFit/>
+              </a:bodyPr>
+              <a:lstStyle/>
+              <a:p>
+                <a:r>
+                  <a:rPr lang="fr-BE" sz="4400" dirty="0"/>
+                  <a:t>L</a:t>
+                </a:r>
+                <a:endParaRPr lang="nl-BE" sz="4400" dirty="0"/>
+              </a:p>
+            </p:txBody>
+          </p:sp>
+        </p:grpSp>
+        <p:sp>
+          <p:nvSpPr>
+            <p:cNvPr id="6" name="TextBox 5">
+              <a:extLst>
+                <a:ext uri="{FF2B5EF4-FFF2-40B4-BE49-F238E27FC236}">
+                  <a16:creationId xmlns:a16="http://schemas.microsoft.com/office/drawing/2014/main" id="{F6D41488-FDE1-CCCD-EB15-253E176C3A9C}"/>
+                </a:ext>
+              </a:extLst>
+            </p:cNvPr>
+            <p:cNvSpPr txBox="1"/>
+            <p:nvPr/>
+          </p:nvSpPr>
+          <p:spPr>
+            <a:xfrm>
+              <a:off x="6327605" y="157456"/>
+              <a:ext cx="667170" cy="769441"/>
+            </a:xfrm>
+            <a:prstGeom prst="rect">
+              <a:avLst/>
+            </a:prstGeom>
+            <a:noFill/>
+          </p:spPr>
+          <p:txBody>
+            <a:bodyPr wrap="none" rtlCol="0">
+              <a:spAutoFit/>
+            </a:bodyPr>
+            <a:lstStyle/>
+            <a:p>
+              <a:r>
+                <a:rPr lang="fr-BE" sz="4400" dirty="0"/>
+                <a:t>M</a:t>
+              </a:r>
+              <a:endParaRPr lang="nl-BE" sz="4400" dirty="0"/>
             </a:p>
           </p:txBody>
         </p:sp>
       </p:grpSp>
-      <p:pic>
-        <p:nvPicPr>
-          <p:cNvPr id="47" name="Picture 46">
-            <a:extLst>
-              <a:ext uri="{FF2B5EF4-FFF2-40B4-BE49-F238E27FC236}">
-                <a16:creationId xmlns:a16="http://schemas.microsoft.com/office/drawing/2014/main" id="{23DD051F-83A3-0372-090A-D445DA8C88CD}"/>
-              </a:ext>
-            </a:extLst>
-          </p:cNvPr>
-          <p:cNvPicPr>
-            <a:picLocks noChangeAspect="1"/>
-          </p:cNvPicPr>
-          <p:nvPr/>
-        </p:nvPicPr>
-        <p:blipFill>
-          <a:blip r:embed="rId10"/>
-          <a:stretch>
-            <a:fillRect/>
-          </a:stretch>
-        </p:blipFill>
-        <p:spPr>
-          <a:xfrm>
-            <a:off x="3626906" y="2126648"/>
-            <a:ext cx="4938188" cy="3082336"/>
-          </a:xfrm>
-          <a:prstGeom prst="rect">
-            <a:avLst/>
-          </a:prstGeom>
-        </p:spPr>
-      </p:pic>
     </p:spTree>
     <p:extLst>
       <p:ext uri="{BB962C8B-B14F-4D97-AF65-F5344CB8AC3E}">
         <p14:creationId xmlns:p14="http://schemas.microsoft.com/office/powerpoint/2010/main" val="156402500"/>
+      </p:ext>
+    </p:extLst>
+  </p:cSld>
+  <p:clrMapOvr>
+    <a:masterClrMapping/>
+  </p:clrMapOvr>
+</p:sld>
+</file>
+
+<file path=ppt/slides/slide10.xml><?xml version="1.0" encoding="utf-8"?>
+<p:sld xmlns:a="http://schemas.openxmlformats.org/drawingml/2006/main" xmlns:r="http://schemas.openxmlformats.org/officeDocument/2006/relationships" xmlns:p="http://schemas.openxmlformats.org/presentationml/2006/main">
+  <p:cSld>
+    <p:spTree>
+      <p:nvGrpSpPr>
+        <p:cNvPr id="1" name=""/>
+        <p:cNvGrpSpPr/>
+        <p:nvPr/>
+      </p:nvGrpSpPr>
+      <p:grpSpPr>
+        <a:xfrm>
+          <a:off x="0" y="0"/>
+          <a:ext cx="0" cy="0"/>
+          <a:chOff x="0" y="0"/>
+          <a:chExt cx="0" cy="0"/>
+        </a:xfrm>
+      </p:grpSpPr>
+      <p:sp>
+        <p:nvSpPr>
+          <p:cNvPr id="4" name="Rectangle: Rounded Corners 3">
+            <a:extLst>
+              <a:ext uri="{FF2B5EF4-FFF2-40B4-BE49-F238E27FC236}">
+                <a16:creationId xmlns:a16="http://schemas.microsoft.com/office/drawing/2014/main" id="{413DD5B5-24B1-4613-5DDB-2C55AAA1AEC2}"/>
+              </a:ext>
+            </a:extLst>
+          </p:cNvPr>
+          <p:cNvSpPr/>
+          <p:nvPr/>
+        </p:nvSpPr>
+        <p:spPr>
+          <a:xfrm>
+            <a:off x="457200" y="2656114"/>
+            <a:ext cx="3483429" cy="2002972"/>
+          </a:xfrm>
+          <a:prstGeom prst="roundRect">
+            <a:avLst/>
+          </a:prstGeom>
+        </p:spPr>
+        <p:style>
+          <a:lnRef idx="1">
+            <a:schemeClr val="accent1"/>
+          </a:lnRef>
+          <a:fillRef idx="2">
+            <a:schemeClr val="accent1"/>
+          </a:fillRef>
+          <a:effectRef idx="1">
+            <a:schemeClr val="accent1"/>
+          </a:effectRef>
+          <a:fontRef idx="minor">
+            <a:schemeClr val="dk1"/>
+          </a:fontRef>
+        </p:style>
+        <p:txBody>
+          <a:bodyPr rtlCol="0" anchor="ctr"/>
+          <a:lstStyle/>
+          <a:p>
+            <a:pPr algn="ctr"/>
+            <a:r>
+              <a:rPr lang="fr-BE" sz="3600" dirty="0"/>
+              <a:t>Data collection</a:t>
+            </a:r>
+            <a:endParaRPr lang="nl-BE" sz="3600" dirty="0"/>
+          </a:p>
+        </p:txBody>
+      </p:sp>
+      <p:sp>
+        <p:nvSpPr>
+          <p:cNvPr id="5" name="Rectangle: Rounded Corners 4">
+            <a:extLst>
+              <a:ext uri="{FF2B5EF4-FFF2-40B4-BE49-F238E27FC236}">
+                <a16:creationId xmlns:a16="http://schemas.microsoft.com/office/drawing/2014/main" id="{5CA719E6-CF06-62FC-1FC5-E161E1B6AD21}"/>
+              </a:ext>
+            </a:extLst>
+          </p:cNvPr>
+          <p:cNvSpPr/>
+          <p:nvPr/>
+        </p:nvSpPr>
+        <p:spPr>
+          <a:xfrm>
+            <a:off x="4354285" y="2656114"/>
+            <a:ext cx="3483429" cy="2002972"/>
+          </a:xfrm>
+          <a:prstGeom prst="roundRect">
+            <a:avLst/>
+          </a:prstGeom>
+        </p:spPr>
+        <p:style>
+          <a:lnRef idx="1">
+            <a:schemeClr val="accent4"/>
+          </a:lnRef>
+          <a:fillRef idx="2">
+            <a:schemeClr val="accent4"/>
+          </a:fillRef>
+          <a:effectRef idx="1">
+            <a:schemeClr val="accent4"/>
+          </a:effectRef>
+          <a:fontRef idx="minor">
+            <a:schemeClr val="dk1"/>
+          </a:fontRef>
+        </p:style>
+        <p:txBody>
+          <a:bodyPr rtlCol="0" anchor="ctr"/>
+          <a:lstStyle/>
+          <a:p>
+            <a:pPr algn="ctr"/>
+            <a:r>
+              <a:rPr lang="fr-BE" sz="3600" dirty="0"/>
+              <a:t>Partnerships </a:t>
+            </a:r>
+            <a:r>
+              <a:rPr lang="fr-BE" sz="3600" dirty="0" err="1"/>
+              <a:t>with</a:t>
+            </a:r>
+            <a:r>
+              <a:rPr lang="fr-BE" sz="3600" dirty="0"/>
+              <a:t> </a:t>
+            </a:r>
+            <a:r>
+              <a:rPr lang="fr-BE" sz="3600" dirty="0" err="1"/>
+              <a:t>Health</a:t>
+            </a:r>
+            <a:r>
+              <a:rPr lang="fr-BE" sz="3600" dirty="0"/>
+              <a:t> care</a:t>
+            </a:r>
+            <a:endParaRPr lang="nl-BE" sz="3600" dirty="0"/>
+          </a:p>
+        </p:txBody>
+      </p:sp>
+      <p:sp>
+        <p:nvSpPr>
+          <p:cNvPr id="6" name="Rectangle: Rounded Corners 5">
+            <a:extLst>
+              <a:ext uri="{FF2B5EF4-FFF2-40B4-BE49-F238E27FC236}">
+                <a16:creationId xmlns:a16="http://schemas.microsoft.com/office/drawing/2014/main" id="{F2B0D807-7116-280A-F4E7-C5F2C617B324}"/>
+              </a:ext>
+            </a:extLst>
+          </p:cNvPr>
+          <p:cNvSpPr/>
+          <p:nvPr/>
+        </p:nvSpPr>
+        <p:spPr>
+          <a:xfrm>
+            <a:off x="8251371" y="2656114"/>
+            <a:ext cx="3483429" cy="2002972"/>
+          </a:xfrm>
+          <a:prstGeom prst="roundRect">
+            <a:avLst/>
+          </a:prstGeom>
+        </p:spPr>
+        <p:style>
+          <a:lnRef idx="1">
+            <a:schemeClr val="accent6"/>
+          </a:lnRef>
+          <a:fillRef idx="2">
+            <a:schemeClr val="accent6"/>
+          </a:fillRef>
+          <a:effectRef idx="1">
+            <a:schemeClr val="accent6"/>
+          </a:effectRef>
+          <a:fontRef idx="minor">
+            <a:schemeClr val="dk1"/>
+          </a:fontRef>
+        </p:style>
+        <p:txBody>
+          <a:bodyPr rtlCol="0" anchor="ctr"/>
+          <a:lstStyle/>
+          <a:p>
+            <a:pPr algn="ctr"/>
+            <a:r>
+              <a:rPr lang="fr-BE" sz="3600" dirty="0" err="1"/>
+              <a:t>Early</a:t>
+            </a:r>
+            <a:r>
+              <a:rPr lang="fr-BE" sz="3600" dirty="0"/>
+              <a:t> </a:t>
+            </a:r>
+            <a:r>
+              <a:rPr lang="fr-BE" sz="3600" dirty="0" err="1"/>
+              <a:t>detection</a:t>
+            </a:r>
+            <a:r>
+              <a:rPr lang="fr-BE" sz="3600" dirty="0"/>
+              <a:t> and </a:t>
+            </a:r>
+            <a:r>
+              <a:rPr lang="fr-BE" sz="3600" dirty="0" err="1"/>
+              <a:t>reach</a:t>
+            </a:r>
+            <a:r>
+              <a:rPr lang="fr-BE" sz="3600" dirty="0"/>
+              <a:t> out</a:t>
+            </a:r>
+            <a:endParaRPr lang="nl-BE" sz="3600" dirty="0"/>
+          </a:p>
+        </p:txBody>
+      </p:sp>
+    </p:spTree>
+    <p:extLst>
+      <p:ext uri="{BB962C8B-B14F-4D97-AF65-F5344CB8AC3E}">
+        <p14:creationId xmlns:p14="http://schemas.microsoft.com/office/powerpoint/2010/main" val="1273362105"/>
       </p:ext>
     </p:extLst>
   </p:cSld>
@@ -9837,13 +10242,13 @@
   <p:clrMapOvr>
     <a:masterClrMapping/>
   </p:clrMapOvr>
-  <mc:AlternateContent xmlns:mc="http://schemas.openxmlformats.org/markup-compatibility/2006">
-    <mc:Choice xmlns:p159="http://schemas.microsoft.com/office/powerpoint/2015/09/main" Requires="p159">
+  <mc:AlternateContent xmlns:mc="http://schemas.openxmlformats.org/markup-compatibility/2006" xmlns:p159="http://schemas.microsoft.com/office/powerpoint/2015/09/main">
+    <mc:Choice Requires="p159">
       <p:transition xmlns:p14="http://schemas.microsoft.com/office/powerpoint/2010/main" spd="slow" p14:dur="2000">
         <p159:morph option="byObject"/>
       </p:transition>
     </mc:Choice>
-    <mc:Fallback>
+    <mc:Fallback xmlns="">
       <p:transition spd="slow">
         <p:fade/>
       </p:transition>
@@ -16488,18 +16893,1027 @@
   <p:clrMapOvr>
     <a:masterClrMapping/>
   </p:clrMapOvr>
-  <mc:AlternateContent xmlns:mc="http://schemas.openxmlformats.org/markup-compatibility/2006">
-    <mc:Choice xmlns:p159="http://schemas.microsoft.com/office/powerpoint/2015/09/main" Requires="p159">
+  <mc:AlternateContent xmlns:mc="http://schemas.openxmlformats.org/markup-compatibility/2006" xmlns:p159="http://schemas.microsoft.com/office/powerpoint/2015/09/main">
+    <mc:Choice Requires="p159">
       <p:transition xmlns:p14="http://schemas.microsoft.com/office/powerpoint/2010/main" spd="slow" p14:dur="60000">
         <p159:morph option="byObject"/>
       </p:transition>
     </mc:Choice>
-    <mc:Fallback>
+    <mc:Fallback xmlns="">
       <p:transition spd="slow">
         <p:fade/>
       </p:transition>
     </mc:Fallback>
   </mc:AlternateContent>
+</p:sld>
+</file>
+
+<file path=ppt/slides/slide8.xml><?xml version="1.0" encoding="utf-8"?>
+<p:sld xmlns:a="http://schemas.openxmlformats.org/drawingml/2006/main" xmlns:r="http://schemas.openxmlformats.org/officeDocument/2006/relationships" xmlns:p="http://schemas.openxmlformats.org/presentationml/2006/main">
+  <p:cSld>
+    <p:spTree>
+      <p:nvGrpSpPr>
+        <p:cNvPr id="1" name=""/>
+        <p:cNvGrpSpPr/>
+        <p:nvPr/>
+      </p:nvGrpSpPr>
+      <p:grpSpPr>
+        <a:xfrm>
+          <a:off x="0" y="0"/>
+          <a:ext cx="0" cy="0"/>
+          <a:chOff x="0" y="0"/>
+          <a:chExt cx="0" cy="0"/>
+        </a:xfrm>
+      </p:grpSpPr>
+      <p:pic>
+        <p:nvPicPr>
+          <p:cNvPr id="5" name="Picture 4" descr="A diagram of a software development process&#10;&#10;Description automatically generated">
+            <a:extLst>
+              <a:ext uri="{FF2B5EF4-FFF2-40B4-BE49-F238E27FC236}">
+                <a16:creationId xmlns:a16="http://schemas.microsoft.com/office/drawing/2014/main" id="{DF466C43-3C26-CD6A-4534-8ACC6A823D62}"/>
+              </a:ext>
+            </a:extLst>
+          </p:cNvPr>
+          <p:cNvPicPr>
+            <a:picLocks noChangeAspect="1"/>
+          </p:cNvPicPr>
+          <p:nvPr/>
+        </p:nvPicPr>
+        <p:blipFill>
+          <a:blip r:embed="rId2">
+            <a:extLst>
+              <a:ext uri="{28A0092B-C50C-407E-A947-70E740481C1C}">
+                <a14:useLocalDpi xmlns:a14="http://schemas.microsoft.com/office/drawing/2010/main" val="0"/>
+              </a:ext>
+            </a:extLst>
+          </a:blip>
+          <a:stretch>
+            <a:fillRect/>
+          </a:stretch>
+        </p:blipFill>
+        <p:spPr>
+          <a:xfrm>
+            <a:off x="968829" y="-12366"/>
+            <a:ext cx="10254342" cy="6882732"/>
+          </a:xfrm>
+          <a:prstGeom prst="rect">
+            <a:avLst/>
+          </a:prstGeom>
+        </p:spPr>
+      </p:pic>
+    </p:spTree>
+    <p:extLst>
+      <p:ext uri="{BB962C8B-B14F-4D97-AF65-F5344CB8AC3E}">
+        <p14:creationId xmlns:p14="http://schemas.microsoft.com/office/powerpoint/2010/main" val="435897356"/>
+      </p:ext>
+    </p:extLst>
+  </p:cSld>
+  <p:clrMapOvr>
+    <a:masterClrMapping/>
+  </p:clrMapOvr>
+</p:sld>
+</file>
+
+<file path=ppt/slides/slide9.xml><?xml version="1.0" encoding="utf-8"?>
+<p:sld xmlns:a="http://schemas.openxmlformats.org/drawingml/2006/main" xmlns:r="http://schemas.openxmlformats.org/officeDocument/2006/relationships" xmlns:p="http://schemas.openxmlformats.org/presentationml/2006/main">
+  <p:cSld>
+    <p:spTree>
+      <p:nvGrpSpPr>
+        <p:cNvPr id="1" name=""/>
+        <p:cNvGrpSpPr/>
+        <p:nvPr/>
+      </p:nvGrpSpPr>
+      <p:grpSpPr>
+        <a:xfrm>
+          <a:off x="0" y="0"/>
+          <a:ext cx="0" cy="0"/>
+          <a:chOff x="0" y="0"/>
+          <a:chExt cx="0" cy="0"/>
+        </a:xfrm>
+      </p:grpSpPr>
+      <p:sp>
+        <p:nvSpPr>
+          <p:cNvPr id="5" name="Rectangle: Rounded Corners 4">
+            <a:extLst>
+              <a:ext uri="{FF2B5EF4-FFF2-40B4-BE49-F238E27FC236}">
+                <a16:creationId xmlns:a16="http://schemas.microsoft.com/office/drawing/2014/main" id="{BE6CADD0-6F1B-4D41-E5A8-3940DB107D03}"/>
+              </a:ext>
+            </a:extLst>
+          </p:cNvPr>
+          <p:cNvSpPr/>
+          <p:nvPr/>
+        </p:nvSpPr>
+        <p:spPr>
+          <a:xfrm>
+            <a:off x="3507165" y="3028591"/>
+            <a:ext cx="4938188" cy="878432"/>
+          </a:xfrm>
+          <a:prstGeom prst="roundRect">
+            <a:avLst/>
+          </a:prstGeom>
+        </p:spPr>
+        <p:style>
+          <a:lnRef idx="1">
+            <a:schemeClr val="accent1"/>
+          </a:lnRef>
+          <a:fillRef idx="2">
+            <a:schemeClr val="accent1"/>
+          </a:fillRef>
+          <a:effectRef idx="1">
+            <a:schemeClr val="accent1"/>
+          </a:effectRef>
+          <a:fontRef idx="minor">
+            <a:schemeClr val="dk1"/>
+          </a:fontRef>
+        </p:style>
+        <p:txBody>
+          <a:bodyPr rtlCol="0" anchor="ctr"/>
+          <a:lstStyle/>
+          <a:p>
+            <a:pPr algn="ctr"/>
+            <a:endParaRPr lang="nl-BE" sz="5400" u="sng" dirty="0">
+              <a:solidFill>
+                <a:schemeClr val="tx1"/>
+              </a:solidFill>
+            </a:endParaRPr>
+          </a:p>
+        </p:txBody>
+      </p:sp>
+      <p:grpSp>
+        <p:nvGrpSpPr>
+          <p:cNvPr id="6" name="Group 5">
+            <a:extLst>
+              <a:ext uri="{FF2B5EF4-FFF2-40B4-BE49-F238E27FC236}">
+                <a16:creationId xmlns:a16="http://schemas.microsoft.com/office/drawing/2014/main" id="{B566F0F6-17DF-48EC-6151-BBB19028675D}"/>
+              </a:ext>
+            </a:extLst>
+          </p:cNvPr>
+          <p:cNvGrpSpPr/>
+          <p:nvPr/>
+        </p:nvGrpSpPr>
+        <p:grpSpPr>
+          <a:xfrm>
+            <a:off x="5010269" y="2938795"/>
+            <a:ext cx="2014691" cy="980409"/>
+            <a:chOff x="5130010" y="11804"/>
+            <a:chExt cx="2014691" cy="980409"/>
+          </a:xfrm>
+        </p:grpSpPr>
+        <p:sp>
+          <p:nvSpPr>
+            <p:cNvPr id="7" name="TextBox 6">
+              <a:extLst>
+                <a:ext uri="{FF2B5EF4-FFF2-40B4-BE49-F238E27FC236}">
+                  <a16:creationId xmlns:a16="http://schemas.microsoft.com/office/drawing/2014/main" id="{18D79AE9-008F-3E7B-013D-F7EB07CF9734}"/>
+                </a:ext>
+              </a:extLst>
+            </p:cNvPr>
+            <p:cNvSpPr txBox="1"/>
+            <p:nvPr/>
+          </p:nvSpPr>
+          <p:spPr>
+            <a:xfrm>
+              <a:off x="6809353" y="11804"/>
+              <a:ext cx="335348" cy="461665"/>
+            </a:xfrm>
+            <a:prstGeom prst="rect">
+              <a:avLst/>
+            </a:prstGeom>
+            <a:noFill/>
+          </p:spPr>
+          <p:txBody>
+            <a:bodyPr wrap="none" rtlCol="0">
+              <a:spAutoFit/>
+            </a:bodyPr>
+            <a:lstStyle/>
+            <a:p>
+              <a:r>
+                <a:rPr lang="fr-BE" sz="2400" dirty="0"/>
+                <a:t>E</a:t>
+              </a:r>
+              <a:endParaRPr lang="nl-BE" sz="2400" dirty="0"/>
+            </a:p>
+          </p:txBody>
+        </p:sp>
+        <p:sp>
+          <p:nvSpPr>
+            <p:cNvPr id="8" name="TextBox 7">
+              <a:extLst>
+                <a:ext uri="{FF2B5EF4-FFF2-40B4-BE49-F238E27FC236}">
+                  <a16:creationId xmlns:a16="http://schemas.microsoft.com/office/drawing/2014/main" id="{7B06D3FD-02F6-F283-6789-96D3839DF73A}"/>
+                </a:ext>
+              </a:extLst>
+            </p:cNvPr>
+            <p:cNvSpPr txBox="1"/>
+            <p:nvPr/>
+          </p:nvSpPr>
+          <p:spPr>
+            <a:xfrm>
+              <a:off x="5130010" y="157456"/>
+              <a:ext cx="486030" cy="769441"/>
+            </a:xfrm>
+            <a:prstGeom prst="rect">
+              <a:avLst/>
+            </a:prstGeom>
+            <a:noFill/>
+          </p:spPr>
+          <p:txBody>
+            <a:bodyPr wrap="none" rtlCol="0">
+              <a:spAutoFit/>
+            </a:bodyPr>
+            <a:lstStyle/>
+            <a:p>
+              <a:r>
+                <a:rPr lang="fr-BE" sz="4400" dirty="0"/>
+                <a:t>C</a:t>
+              </a:r>
+              <a:endParaRPr lang="nl-BE" sz="4400" dirty="0"/>
+            </a:p>
+          </p:txBody>
+        </p:sp>
+        <p:sp>
+          <p:nvSpPr>
+            <p:cNvPr id="9" name="TextBox 8">
+              <a:extLst>
+                <a:ext uri="{FF2B5EF4-FFF2-40B4-BE49-F238E27FC236}">
+                  <a16:creationId xmlns:a16="http://schemas.microsoft.com/office/drawing/2014/main" id="{8D7579A4-96AF-8008-B64D-5D99E6003E76}"/>
+                </a:ext>
+              </a:extLst>
+            </p:cNvPr>
+            <p:cNvSpPr txBox="1"/>
+            <p:nvPr/>
+          </p:nvSpPr>
+          <p:spPr>
+            <a:xfrm>
+              <a:off x="5515075" y="157456"/>
+              <a:ext cx="511679" cy="769441"/>
+            </a:xfrm>
+            <a:prstGeom prst="rect">
+              <a:avLst/>
+            </a:prstGeom>
+            <a:noFill/>
+          </p:spPr>
+          <p:txBody>
+            <a:bodyPr wrap="none" rtlCol="0">
+              <a:spAutoFit/>
+            </a:bodyPr>
+            <a:lstStyle/>
+            <a:p>
+              <a:r>
+                <a:rPr lang="fr-BE" sz="4400" dirty="0"/>
+                <a:t>A</a:t>
+              </a:r>
+              <a:endParaRPr lang="nl-BE" sz="4400" dirty="0"/>
+            </a:p>
+          </p:txBody>
+        </p:sp>
+        <p:grpSp>
+          <p:nvGrpSpPr>
+            <p:cNvPr id="10" name="Group 9">
+              <a:extLst>
+                <a:ext uri="{FF2B5EF4-FFF2-40B4-BE49-F238E27FC236}">
+                  <a16:creationId xmlns:a16="http://schemas.microsoft.com/office/drawing/2014/main" id="{4EF517F5-13C0-F043-41DF-AD9EFA41B269}"/>
+                </a:ext>
+              </a:extLst>
+            </p:cNvPr>
+            <p:cNvGrpSpPr/>
+            <p:nvPr/>
+          </p:nvGrpSpPr>
+          <p:grpSpPr>
+            <a:xfrm>
+              <a:off x="5925789" y="157456"/>
+              <a:ext cx="502780" cy="834757"/>
+              <a:chOff x="5482438" y="152948"/>
+              <a:chExt cx="502780" cy="834757"/>
+            </a:xfrm>
+          </p:grpSpPr>
+          <p:sp>
+            <p:nvSpPr>
+              <p:cNvPr id="12" name="TextBox 11">
+                <a:extLst>
+                  <a:ext uri="{FF2B5EF4-FFF2-40B4-BE49-F238E27FC236}">
+                    <a16:creationId xmlns:a16="http://schemas.microsoft.com/office/drawing/2014/main" id="{376E799A-9A30-9A25-768F-9892CD317EFE}"/>
+                  </a:ext>
+                </a:extLst>
+              </p:cNvPr>
+              <p:cNvSpPr txBox="1"/>
+              <p:nvPr/>
+            </p:nvSpPr>
+            <p:spPr>
+              <a:xfrm>
+                <a:off x="5482438" y="152948"/>
+                <a:ext cx="421910" cy="769441"/>
+              </a:xfrm>
+              <a:prstGeom prst="rect">
+                <a:avLst/>
+              </a:prstGeom>
+              <a:noFill/>
+            </p:spPr>
+            <p:txBody>
+              <a:bodyPr wrap="none" rtlCol="0">
+                <a:spAutoFit/>
+              </a:bodyPr>
+              <a:lstStyle/>
+              <a:p>
+                <a:r>
+                  <a:rPr lang="fr-BE" sz="4400" dirty="0"/>
+                  <a:t>L</a:t>
+                </a:r>
+                <a:endParaRPr lang="nl-BE" sz="4400" dirty="0"/>
+              </a:p>
+            </p:txBody>
+          </p:sp>
+          <p:sp>
+            <p:nvSpPr>
+              <p:cNvPr id="13" name="TextBox 12">
+                <a:extLst>
+                  <a:ext uri="{FF2B5EF4-FFF2-40B4-BE49-F238E27FC236}">
+                    <a16:creationId xmlns:a16="http://schemas.microsoft.com/office/drawing/2014/main" id="{3E0F11AA-66B8-E208-4AA8-F30331C89970}"/>
+                  </a:ext>
+                </a:extLst>
+              </p:cNvPr>
+              <p:cNvSpPr txBox="1"/>
+              <p:nvPr/>
+            </p:nvSpPr>
+            <p:spPr>
+              <a:xfrm>
+                <a:off x="5563308" y="218264"/>
+                <a:ext cx="421910" cy="769441"/>
+              </a:xfrm>
+              <a:prstGeom prst="rect">
+                <a:avLst/>
+              </a:prstGeom>
+              <a:noFill/>
+            </p:spPr>
+            <p:txBody>
+              <a:bodyPr wrap="none" rtlCol="0">
+                <a:spAutoFit/>
+              </a:bodyPr>
+              <a:lstStyle/>
+              <a:p>
+                <a:r>
+                  <a:rPr lang="fr-BE" sz="4400" dirty="0"/>
+                  <a:t>L</a:t>
+                </a:r>
+                <a:endParaRPr lang="nl-BE" sz="4400" dirty="0"/>
+              </a:p>
+            </p:txBody>
+          </p:sp>
+        </p:grpSp>
+        <p:sp>
+          <p:nvSpPr>
+            <p:cNvPr id="11" name="TextBox 10">
+              <a:extLst>
+                <a:ext uri="{FF2B5EF4-FFF2-40B4-BE49-F238E27FC236}">
+                  <a16:creationId xmlns:a16="http://schemas.microsoft.com/office/drawing/2014/main" id="{2AF92E59-63C0-2D73-0236-AFE50B582CE0}"/>
+                </a:ext>
+              </a:extLst>
+            </p:cNvPr>
+            <p:cNvSpPr txBox="1"/>
+            <p:nvPr/>
+          </p:nvSpPr>
+          <p:spPr>
+            <a:xfrm>
+              <a:off x="6327605" y="157456"/>
+              <a:ext cx="667170" cy="769441"/>
+            </a:xfrm>
+            <a:prstGeom prst="rect">
+              <a:avLst/>
+            </a:prstGeom>
+            <a:noFill/>
+          </p:spPr>
+          <p:txBody>
+            <a:bodyPr wrap="none" rtlCol="0">
+              <a:spAutoFit/>
+            </a:bodyPr>
+            <a:lstStyle/>
+            <a:p>
+              <a:r>
+                <a:rPr lang="fr-BE" sz="4400" dirty="0"/>
+                <a:t>M</a:t>
+              </a:r>
+              <a:endParaRPr lang="nl-BE" sz="4400" dirty="0"/>
+            </a:p>
+          </p:txBody>
+        </p:sp>
+      </p:grpSp>
+      <p:sp>
+        <p:nvSpPr>
+          <p:cNvPr id="14" name="Rectangle 13">
+            <a:extLst>
+              <a:ext uri="{FF2B5EF4-FFF2-40B4-BE49-F238E27FC236}">
+                <a16:creationId xmlns:a16="http://schemas.microsoft.com/office/drawing/2014/main" id="{2CE3B1C1-28AE-8D12-B2DD-E0C3139D45E8}"/>
+              </a:ext>
+            </a:extLst>
+          </p:cNvPr>
+          <p:cNvSpPr/>
+          <p:nvPr/>
+        </p:nvSpPr>
+        <p:spPr>
+          <a:xfrm>
+            <a:off x="361192" y="4789713"/>
+            <a:ext cx="3265714" cy="1328057"/>
+          </a:xfrm>
+          <a:prstGeom prst="rect">
+            <a:avLst/>
+          </a:prstGeom>
+        </p:spPr>
+        <p:style>
+          <a:lnRef idx="1">
+            <a:schemeClr val="accent6"/>
+          </a:lnRef>
+          <a:fillRef idx="2">
+            <a:schemeClr val="accent6"/>
+          </a:fillRef>
+          <a:effectRef idx="1">
+            <a:schemeClr val="accent6"/>
+          </a:effectRef>
+          <a:fontRef idx="minor">
+            <a:schemeClr val="dk1"/>
+          </a:fontRef>
+        </p:style>
+        <p:txBody>
+          <a:bodyPr rtlCol="0" anchor="ctr"/>
+          <a:lstStyle/>
+          <a:p>
+            <a:pPr algn="ctr"/>
+            <a:r>
+              <a:rPr lang="fr-BE" sz="3600" dirty="0" err="1"/>
+              <a:t>Wearables</a:t>
+            </a:r>
+            <a:endParaRPr lang="nl-BE" sz="3600" dirty="0"/>
+          </a:p>
+        </p:txBody>
+      </p:sp>
+      <p:sp>
+        <p:nvSpPr>
+          <p:cNvPr id="15" name="Rectangle 14">
+            <a:extLst>
+              <a:ext uri="{FF2B5EF4-FFF2-40B4-BE49-F238E27FC236}">
+                <a16:creationId xmlns:a16="http://schemas.microsoft.com/office/drawing/2014/main" id="{6B698E84-57AB-4C4C-E5DA-E55164491C3D}"/>
+              </a:ext>
+            </a:extLst>
+          </p:cNvPr>
+          <p:cNvSpPr/>
+          <p:nvPr/>
+        </p:nvSpPr>
+        <p:spPr>
+          <a:xfrm>
+            <a:off x="4463143" y="4735285"/>
+            <a:ext cx="3265714" cy="1328057"/>
+          </a:xfrm>
+          <a:prstGeom prst="rect">
+            <a:avLst/>
+          </a:prstGeom>
+        </p:spPr>
+        <p:style>
+          <a:lnRef idx="1">
+            <a:schemeClr val="accent6"/>
+          </a:lnRef>
+          <a:fillRef idx="2">
+            <a:schemeClr val="accent6"/>
+          </a:fillRef>
+          <a:effectRef idx="1">
+            <a:schemeClr val="accent6"/>
+          </a:effectRef>
+          <a:fontRef idx="minor">
+            <a:schemeClr val="dk1"/>
+          </a:fontRef>
+        </p:style>
+        <p:txBody>
+          <a:bodyPr rtlCol="0" anchor="ctr"/>
+          <a:lstStyle/>
+          <a:p>
+            <a:pPr algn="ctr"/>
+            <a:r>
+              <a:rPr lang="fr-BE" sz="3600" dirty="0" err="1"/>
+              <a:t>Environmental</a:t>
+            </a:r>
+            <a:endParaRPr lang="nl-BE" sz="3600" dirty="0"/>
+          </a:p>
+        </p:txBody>
+      </p:sp>
+      <p:sp>
+        <p:nvSpPr>
+          <p:cNvPr id="16" name="Rectangle 15">
+            <a:extLst>
+              <a:ext uri="{FF2B5EF4-FFF2-40B4-BE49-F238E27FC236}">
+                <a16:creationId xmlns:a16="http://schemas.microsoft.com/office/drawing/2014/main" id="{7492C833-3741-6A6B-A837-9A0B2DDA1385}"/>
+              </a:ext>
+            </a:extLst>
+          </p:cNvPr>
+          <p:cNvSpPr/>
+          <p:nvPr/>
+        </p:nvSpPr>
+        <p:spPr>
+          <a:xfrm>
+            <a:off x="8565094" y="4735286"/>
+            <a:ext cx="3265714" cy="1328057"/>
+          </a:xfrm>
+          <a:prstGeom prst="rect">
+            <a:avLst/>
+          </a:prstGeom>
+        </p:spPr>
+        <p:style>
+          <a:lnRef idx="1">
+            <a:schemeClr val="accent6"/>
+          </a:lnRef>
+          <a:fillRef idx="2">
+            <a:schemeClr val="accent6"/>
+          </a:fillRef>
+          <a:effectRef idx="1">
+            <a:schemeClr val="accent6"/>
+          </a:effectRef>
+          <a:fontRef idx="minor">
+            <a:schemeClr val="dk1"/>
+          </a:fontRef>
+        </p:style>
+        <p:txBody>
+          <a:bodyPr rtlCol="0" anchor="ctr"/>
+          <a:lstStyle/>
+          <a:p>
+            <a:pPr algn="ctr"/>
+            <a:r>
+              <a:rPr lang="fr-BE" sz="3600" dirty="0"/>
+              <a:t>Habit </a:t>
+            </a:r>
+            <a:r>
+              <a:rPr lang="fr-BE" sz="3600" dirty="0" err="1"/>
+              <a:t>tracking</a:t>
+            </a:r>
+            <a:endParaRPr lang="nl-BE" sz="3600" dirty="0"/>
+          </a:p>
+        </p:txBody>
+      </p:sp>
+      <p:cxnSp>
+        <p:nvCxnSpPr>
+          <p:cNvPr id="20" name="Straight Arrow Connector 19">
+            <a:extLst>
+              <a:ext uri="{FF2B5EF4-FFF2-40B4-BE49-F238E27FC236}">
+                <a16:creationId xmlns:a16="http://schemas.microsoft.com/office/drawing/2014/main" id="{3AF89969-4503-8D15-687A-5CD8FC70F1B7}"/>
+              </a:ext>
+            </a:extLst>
+          </p:cNvPr>
+          <p:cNvCxnSpPr>
+            <a:stCxn id="14" idx="0"/>
+            <a:endCxn id="5" idx="1"/>
+          </p:cNvCxnSpPr>
+          <p:nvPr/>
+        </p:nvCxnSpPr>
+        <p:spPr>
+          <a:xfrm flipV="1">
+            <a:off x="1994049" y="3467807"/>
+            <a:ext cx="1513116" cy="1321906"/>
+          </a:xfrm>
+          <a:prstGeom prst="straightConnector1">
+            <a:avLst/>
+          </a:prstGeom>
+          <a:ln w="9525" cap="flat" cmpd="sng" algn="ctr">
+            <a:solidFill>
+              <a:schemeClr val="accent6"/>
+            </a:solidFill>
+            <a:prstDash val="solid"/>
+            <a:round/>
+            <a:headEnd type="none" w="med" len="med"/>
+            <a:tailEnd type="arrow" w="med" len="med"/>
+          </a:ln>
+        </p:spPr>
+        <p:style>
+          <a:lnRef idx="0">
+            <a:scrgbClr r="0" g="0" b="0"/>
+          </a:lnRef>
+          <a:fillRef idx="0">
+            <a:scrgbClr r="0" g="0" b="0"/>
+          </a:fillRef>
+          <a:effectRef idx="0">
+            <a:scrgbClr r="0" g="0" b="0"/>
+          </a:effectRef>
+          <a:fontRef idx="minor">
+            <a:schemeClr val="tx1"/>
+          </a:fontRef>
+        </p:style>
+      </p:cxnSp>
+      <p:cxnSp>
+        <p:nvCxnSpPr>
+          <p:cNvPr id="22" name="Straight Arrow Connector 21">
+            <a:extLst>
+              <a:ext uri="{FF2B5EF4-FFF2-40B4-BE49-F238E27FC236}">
+                <a16:creationId xmlns:a16="http://schemas.microsoft.com/office/drawing/2014/main" id="{6CF9A835-DC37-B879-B31A-617E55B4DEFE}"/>
+              </a:ext>
+            </a:extLst>
+          </p:cNvPr>
+          <p:cNvCxnSpPr>
+            <a:stCxn id="15" idx="0"/>
+            <a:endCxn id="13" idx="2"/>
+          </p:cNvCxnSpPr>
+          <p:nvPr/>
+        </p:nvCxnSpPr>
+        <p:spPr>
+          <a:xfrm flipV="1">
+            <a:off x="6096000" y="3919204"/>
+            <a:ext cx="1873" cy="816081"/>
+          </a:xfrm>
+          <a:prstGeom prst="straightConnector1">
+            <a:avLst/>
+          </a:prstGeom>
+          <a:ln w="9525" cap="flat" cmpd="sng" algn="ctr">
+            <a:solidFill>
+              <a:schemeClr val="accent6"/>
+            </a:solidFill>
+            <a:prstDash val="solid"/>
+            <a:round/>
+            <a:headEnd type="none" w="med" len="med"/>
+            <a:tailEnd type="arrow" w="med" len="med"/>
+          </a:ln>
+        </p:spPr>
+        <p:style>
+          <a:lnRef idx="0">
+            <a:scrgbClr r="0" g="0" b="0"/>
+          </a:lnRef>
+          <a:fillRef idx="0">
+            <a:scrgbClr r="0" g="0" b="0"/>
+          </a:fillRef>
+          <a:effectRef idx="0">
+            <a:scrgbClr r="0" g="0" b="0"/>
+          </a:effectRef>
+          <a:fontRef idx="minor">
+            <a:schemeClr val="tx1"/>
+          </a:fontRef>
+        </p:style>
+      </p:cxnSp>
+      <p:cxnSp>
+        <p:nvCxnSpPr>
+          <p:cNvPr id="23" name="Straight Arrow Connector 22">
+            <a:extLst>
+              <a:ext uri="{FF2B5EF4-FFF2-40B4-BE49-F238E27FC236}">
+                <a16:creationId xmlns:a16="http://schemas.microsoft.com/office/drawing/2014/main" id="{4CDE7C52-FADA-106E-2210-339E377E5C73}"/>
+              </a:ext>
+            </a:extLst>
+          </p:cNvPr>
+          <p:cNvCxnSpPr>
+            <a:cxnSpLocks/>
+            <a:stCxn id="16" idx="0"/>
+            <a:endCxn id="5" idx="3"/>
+          </p:cNvCxnSpPr>
+          <p:nvPr/>
+        </p:nvCxnSpPr>
+        <p:spPr>
+          <a:xfrm flipH="1" flipV="1">
+            <a:off x="8445353" y="3467807"/>
+            <a:ext cx="1752598" cy="1267479"/>
+          </a:xfrm>
+          <a:prstGeom prst="straightConnector1">
+            <a:avLst/>
+          </a:prstGeom>
+          <a:ln w="9525" cap="flat" cmpd="sng" algn="ctr">
+            <a:solidFill>
+              <a:schemeClr val="accent6"/>
+            </a:solidFill>
+            <a:prstDash val="solid"/>
+            <a:round/>
+            <a:headEnd type="none" w="med" len="med"/>
+            <a:tailEnd type="arrow" w="med" len="med"/>
+          </a:ln>
+        </p:spPr>
+        <p:style>
+          <a:lnRef idx="0">
+            <a:scrgbClr r="0" g="0" b="0"/>
+          </a:lnRef>
+          <a:fillRef idx="0">
+            <a:scrgbClr r="0" g="0" b="0"/>
+          </a:fillRef>
+          <a:effectRef idx="0">
+            <a:scrgbClr r="0" g="0" b="0"/>
+          </a:effectRef>
+          <a:fontRef idx="minor">
+            <a:schemeClr val="tx1"/>
+          </a:fontRef>
+        </p:style>
+      </p:cxnSp>
+      <p:sp>
+        <p:nvSpPr>
+          <p:cNvPr id="26" name="Rectangle 25">
+            <a:extLst>
+              <a:ext uri="{FF2B5EF4-FFF2-40B4-BE49-F238E27FC236}">
+                <a16:creationId xmlns:a16="http://schemas.microsoft.com/office/drawing/2014/main" id="{D31E4FDB-3A81-697D-53D2-9B7E7C3A0F7C}"/>
+              </a:ext>
+            </a:extLst>
+          </p:cNvPr>
+          <p:cNvSpPr/>
+          <p:nvPr/>
+        </p:nvSpPr>
+        <p:spPr>
+          <a:xfrm>
+            <a:off x="7728857" y="1300219"/>
+            <a:ext cx="4136572" cy="1256188"/>
+          </a:xfrm>
+          <a:prstGeom prst="rect">
+            <a:avLst/>
+          </a:prstGeom>
+        </p:spPr>
+        <p:style>
+          <a:lnRef idx="1">
+            <a:schemeClr val="accent4"/>
+          </a:lnRef>
+          <a:fillRef idx="2">
+            <a:schemeClr val="accent4"/>
+          </a:fillRef>
+          <a:effectRef idx="1">
+            <a:schemeClr val="accent4"/>
+          </a:effectRef>
+          <a:fontRef idx="minor">
+            <a:schemeClr val="dk1"/>
+          </a:fontRef>
+        </p:style>
+        <p:txBody>
+          <a:bodyPr rtlCol="0" anchor="ctr"/>
+          <a:lstStyle/>
+          <a:p>
+            <a:pPr algn="ctr"/>
+            <a:r>
+              <a:rPr lang="fr-BE" sz="3200" dirty="0" err="1"/>
+              <a:t>Partners</a:t>
+            </a:r>
+            <a:br>
+              <a:rPr lang="fr-BE" sz="3200" dirty="0"/>
+            </a:br>
+            <a:r>
+              <a:rPr lang="fr-BE" sz="3200" dirty="0" err="1"/>
+              <a:t>Health</a:t>
+            </a:r>
+            <a:r>
+              <a:rPr lang="fr-BE" sz="3200" dirty="0"/>
+              <a:t> Care / </a:t>
+            </a:r>
+            <a:r>
+              <a:rPr lang="fr-BE" sz="3200" dirty="0" err="1"/>
+              <a:t>Insurance</a:t>
+            </a:r>
+            <a:endParaRPr lang="nl-BE" sz="3200" dirty="0"/>
+          </a:p>
+        </p:txBody>
+      </p:sp>
+      <p:cxnSp>
+        <p:nvCxnSpPr>
+          <p:cNvPr id="28" name="Connector: Elbow 27">
+            <a:extLst>
+              <a:ext uri="{FF2B5EF4-FFF2-40B4-BE49-F238E27FC236}">
+                <a16:creationId xmlns:a16="http://schemas.microsoft.com/office/drawing/2014/main" id="{DA2D5F7E-8900-46C2-BBF8-FE9C4EB76AAF}"/>
+              </a:ext>
+            </a:extLst>
+          </p:cNvPr>
+          <p:cNvCxnSpPr>
+            <a:cxnSpLocks/>
+            <a:stCxn id="26" idx="2"/>
+            <a:endCxn id="5" idx="3"/>
+          </p:cNvCxnSpPr>
+          <p:nvPr/>
+        </p:nvCxnSpPr>
+        <p:spPr>
+          <a:xfrm rot="5400000">
+            <a:off x="8665548" y="2336212"/>
+            <a:ext cx="911400" cy="1351790"/>
+          </a:xfrm>
+          <a:prstGeom prst="bentConnector2">
+            <a:avLst/>
+          </a:prstGeom>
+          <a:ln w="9525" cap="flat" cmpd="sng" algn="ctr">
+            <a:solidFill>
+              <a:schemeClr val="accent4"/>
+            </a:solidFill>
+            <a:prstDash val="solid"/>
+            <a:round/>
+            <a:headEnd type="none" w="med" len="med"/>
+            <a:tailEnd type="arrow" w="med" len="med"/>
+          </a:ln>
+        </p:spPr>
+        <p:style>
+          <a:lnRef idx="0">
+            <a:scrgbClr r="0" g="0" b="0"/>
+          </a:lnRef>
+          <a:fillRef idx="0">
+            <a:scrgbClr r="0" g="0" b="0"/>
+          </a:fillRef>
+          <a:effectRef idx="0">
+            <a:scrgbClr r="0" g="0" b="0"/>
+          </a:effectRef>
+          <a:fontRef idx="minor">
+            <a:schemeClr val="tx1"/>
+          </a:fontRef>
+        </p:style>
+      </p:cxnSp>
+      <p:sp>
+        <p:nvSpPr>
+          <p:cNvPr id="29" name="Rectangle: Rounded Corners 28">
+            <a:extLst>
+              <a:ext uri="{FF2B5EF4-FFF2-40B4-BE49-F238E27FC236}">
+                <a16:creationId xmlns:a16="http://schemas.microsoft.com/office/drawing/2014/main" id="{1011978B-4AC4-8DC1-E047-4D48F2568DA4}"/>
+              </a:ext>
+            </a:extLst>
+          </p:cNvPr>
+          <p:cNvSpPr/>
+          <p:nvPr/>
+        </p:nvSpPr>
+        <p:spPr>
+          <a:xfrm>
+            <a:off x="5165273" y="418058"/>
+            <a:ext cx="1621972" cy="1719535"/>
+          </a:xfrm>
+          <a:prstGeom prst="roundRect">
+            <a:avLst/>
+          </a:prstGeom>
+        </p:spPr>
+        <p:style>
+          <a:lnRef idx="1">
+            <a:schemeClr val="accent1"/>
+          </a:lnRef>
+          <a:fillRef idx="2">
+            <a:schemeClr val="accent1"/>
+          </a:fillRef>
+          <a:effectRef idx="1">
+            <a:schemeClr val="accent1"/>
+          </a:effectRef>
+          <a:fontRef idx="minor">
+            <a:schemeClr val="dk1"/>
+          </a:fontRef>
+        </p:style>
+        <p:txBody>
+          <a:bodyPr rtlCol="0" anchor="ctr"/>
+          <a:lstStyle/>
+          <a:p>
+            <a:pPr algn="ctr"/>
+            <a:r>
+              <a:rPr lang="fr-BE" sz="4000" dirty="0"/>
+              <a:t>DATA</a:t>
+            </a:r>
+            <a:br>
+              <a:rPr lang="fr-BE" sz="4000" dirty="0"/>
+            </a:br>
+            <a:r>
+              <a:rPr lang="fr-BE" sz="4000" dirty="0"/>
+              <a:t>POD</a:t>
+            </a:r>
+            <a:endParaRPr lang="nl-BE" sz="4000" dirty="0"/>
+          </a:p>
+        </p:txBody>
+      </p:sp>
+      <p:cxnSp>
+        <p:nvCxnSpPr>
+          <p:cNvPr id="34" name="Straight Arrow Connector 33">
+            <a:extLst>
+              <a:ext uri="{FF2B5EF4-FFF2-40B4-BE49-F238E27FC236}">
+                <a16:creationId xmlns:a16="http://schemas.microsoft.com/office/drawing/2014/main" id="{C2F6BE64-FAE2-B65B-EF99-A17071B11F17}"/>
+              </a:ext>
+            </a:extLst>
+          </p:cNvPr>
+          <p:cNvCxnSpPr>
+            <a:stCxn id="5" idx="0"/>
+            <a:endCxn id="29" idx="2"/>
+          </p:cNvCxnSpPr>
+          <p:nvPr/>
+        </p:nvCxnSpPr>
+        <p:spPr>
+          <a:xfrm flipV="1">
+            <a:off x="5976259" y="2137593"/>
+            <a:ext cx="0" cy="890998"/>
+          </a:xfrm>
+          <a:prstGeom prst="straightConnector1">
+            <a:avLst/>
+          </a:prstGeom>
+          <a:ln>
+            <a:tailEnd type="triangle"/>
+          </a:ln>
+        </p:spPr>
+        <p:style>
+          <a:lnRef idx="1">
+            <a:schemeClr val="accent1"/>
+          </a:lnRef>
+          <a:fillRef idx="0">
+            <a:schemeClr val="accent1"/>
+          </a:fillRef>
+          <a:effectRef idx="0">
+            <a:schemeClr val="accent1"/>
+          </a:effectRef>
+          <a:fontRef idx="minor">
+            <a:schemeClr val="tx1"/>
+          </a:fontRef>
+        </p:style>
+      </p:cxnSp>
+      <p:sp>
+        <p:nvSpPr>
+          <p:cNvPr id="36" name="Rectangle: Rounded Corners 35">
+            <a:extLst>
+              <a:ext uri="{FF2B5EF4-FFF2-40B4-BE49-F238E27FC236}">
+                <a16:creationId xmlns:a16="http://schemas.microsoft.com/office/drawing/2014/main" id="{A8957368-204B-BB2A-3E93-00753A6F57AA}"/>
+              </a:ext>
+            </a:extLst>
+          </p:cNvPr>
+          <p:cNvSpPr/>
+          <p:nvPr/>
+        </p:nvSpPr>
+        <p:spPr>
+          <a:xfrm>
+            <a:off x="361192" y="597418"/>
+            <a:ext cx="4199922" cy="1449097"/>
+          </a:xfrm>
+          <a:prstGeom prst="roundRect">
+            <a:avLst/>
+          </a:prstGeom>
+        </p:spPr>
+        <p:style>
+          <a:lnRef idx="1">
+            <a:schemeClr val="accent2"/>
+          </a:lnRef>
+          <a:fillRef idx="2">
+            <a:schemeClr val="accent2"/>
+          </a:fillRef>
+          <a:effectRef idx="1">
+            <a:schemeClr val="accent2"/>
+          </a:effectRef>
+          <a:fontRef idx="minor">
+            <a:schemeClr val="dk1"/>
+          </a:fontRef>
+        </p:style>
+        <p:txBody>
+          <a:bodyPr rtlCol="0" anchor="ctr"/>
+          <a:lstStyle/>
+          <a:p>
+            <a:pPr algn="ctr"/>
+            <a:r>
+              <a:rPr lang="fr-BE" sz="3600" dirty="0" err="1"/>
+              <a:t>Medical</a:t>
+            </a:r>
+            <a:r>
+              <a:rPr lang="fr-BE" sz="3600" dirty="0"/>
+              <a:t> </a:t>
+            </a:r>
+            <a:r>
+              <a:rPr lang="fr-BE" sz="3600" dirty="0" err="1"/>
+              <a:t>professional</a:t>
+            </a:r>
+            <a:endParaRPr lang="nl-BE" sz="3600" dirty="0"/>
+          </a:p>
+        </p:txBody>
+      </p:sp>
+      <p:cxnSp>
+        <p:nvCxnSpPr>
+          <p:cNvPr id="38" name="Straight Arrow Connector 37">
+            <a:extLst>
+              <a:ext uri="{FF2B5EF4-FFF2-40B4-BE49-F238E27FC236}">
+                <a16:creationId xmlns:a16="http://schemas.microsoft.com/office/drawing/2014/main" id="{CAC0B698-84E3-9532-D81A-0FF14E8FAC48}"/>
+              </a:ext>
+            </a:extLst>
+          </p:cNvPr>
+          <p:cNvCxnSpPr>
+            <a:cxnSpLocks/>
+            <a:stCxn id="29" idx="1"/>
+            <a:endCxn id="36" idx="3"/>
+          </p:cNvCxnSpPr>
+          <p:nvPr/>
+        </p:nvCxnSpPr>
+        <p:spPr>
+          <a:xfrm flipH="1">
+            <a:off x="4561114" y="1277826"/>
+            <a:ext cx="604159" cy="44141"/>
+          </a:xfrm>
+          <a:prstGeom prst="straightConnector1">
+            <a:avLst/>
+          </a:prstGeom>
+          <a:ln w="9525" cap="flat" cmpd="sng" algn="ctr">
+            <a:solidFill>
+              <a:schemeClr val="accent2"/>
+            </a:solidFill>
+            <a:prstDash val="solid"/>
+            <a:round/>
+            <a:headEnd type="none" w="med" len="med"/>
+            <a:tailEnd type="arrow" w="med" len="med"/>
+          </a:ln>
+        </p:spPr>
+        <p:style>
+          <a:lnRef idx="0">
+            <a:scrgbClr r="0" g="0" b="0"/>
+          </a:lnRef>
+          <a:fillRef idx="0">
+            <a:scrgbClr r="0" g="0" b="0"/>
+          </a:fillRef>
+          <a:effectRef idx="0">
+            <a:scrgbClr r="0" g="0" b="0"/>
+          </a:effectRef>
+          <a:fontRef idx="minor">
+            <a:schemeClr val="tx1"/>
+          </a:fontRef>
+        </p:style>
+      </p:cxnSp>
+    </p:spTree>
+    <p:extLst>
+      <p:ext uri="{BB962C8B-B14F-4D97-AF65-F5344CB8AC3E}">
+        <p14:creationId xmlns:p14="http://schemas.microsoft.com/office/powerpoint/2010/main" val="3833154432"/>
+      </p:ext>
+    </p:extLst>
+  </p:cSld>
+  <p:clrMapOvr>
+    <a:masterClrMapping/>
+  </p:clrMapOvr>
 </p:sld>
 </file>
 
@@ -17341,20 +18755,20 @@
 </file>
 
 <file path=customXml/item2.xml><?xml version="1.0" encoding="utf-8"?>
+<p:properties xmlns:p="http://schemas.microsoft.com/office/2006/metadata/properties" xmlns:xsi="http://www.w3.org/2001/XMLSchema-instance" xmlns:pc="http://schemas.microsoft.com/office/infopath/2007/PartnerControls">
+  <documentManagement>
+    <_activity xmlns="8518c734-d138-4e07-81e7-2e84deb0e9bf" xsi:nil="true"/>
+  </documentManagement>
+</p:properties>
+</file>
+
+<file path=customXml/item3.xml><?xml version="1.0" encoding="utf-8"?>
 <?mso-contentType ?>
 <FormTemplates xmlns="http://schemas.microsoft.com/sharepoint/v3/contenttype/forms">
   <Display>DocumentLibraryForm</Display>
   <Edit>DocumentLibraryForm</Edit>
   <New>DocumentLibraryForm</New>
 </FormTemplates>
-</file>
-
-<file path=customXml/item3.xml><?xml version="1.0" encoding="utf-8"?>
-<p:properties xmlns:p="http://schemas.microsoft.com/office/2006/metadata/properties" xmlns:xsi="http://www.w3.org/2001/XMLSchema-instance" xmlns:pc="http://schemas.microsoft.com/office/infopath/2007/PartnerControls">
-  <documentManagement>
-    <_activity xmlns="8518c734-d138-4e07-81e7-2e84deb0e9bf" xsi:nil="true"/>
-  </documentManagement>
-</p:properties>
 </file>
 
 <file path=customXml/itemProps1.xml><?xml version="1.0" encoding="utf-8"?>
@@ -17377,14 +18791,6 @@
 </file>
 
 <file path=customXml/itemProps2.xml><?xml version="1.0" encoding="utf-8"?>
-<ds:datastoreItem xmlns:ds="http://schemas.openxmlformats.org/officeDocument/2006/customXml" ds:itemID="{3086E16F-0DD1-47CA-8FEA-4F02F8042DEF}">
-  <ds:schemaRefs>
-    <ds:schemaRef ds:uri="http://schemas.microsoft.com/sharepoint/v3/contenttype/forms"/>
-  </ds:schemaRefs>
-</ds:datastoreItem>
-</file>
-
-<file path=customXml/itemProps3.xml><?xml version="1.0" encoding="utf-8"?>
 <ds:datastoreItem xmlns:ds="http://schemas.openxmlformats.org/officeDocument/2006/customXml" ds:itemID="{F46E789D-0632-42AE-9665-42D57C5CBFE5}">
   <ds:schemaRefs>
     <ds:schemaRef ds:uri="http://purl.org/dc/terms/"/>
@@ -17399,4 +18805,12 @@
     <ds:schemaRef ds:uri="http://www.w3.org/XML/1998/namespace"/>
   </ds:schemaRefs>
 </ds:datastoreItem>
+</file>
+
+<file path=customXml/itemProps3.xml><?xml version="1.0" encoding="utf-8"?>
+<ds:datastoreItem xmlns:ds="http://schemas.openxmlformats.org/officeDocument/2006/customXml" ds:itemID="{3086E16F-0DD1-47CA-8FEA-4F02F8042DEF}">
+  <ds:schemaRefs>
+    <ds:schemaRef ds:uri="http://schemas.microsoft.com/sharepoint/v3/contenttype/forms"/>
+  </ds:schemaRefs>
+</ds:datastoreItem>
 </file>